--- a/media/BDD+Mobile.pptx
+++ b/media/BDD+Mobile.pptx
@@ -5,7 +5,7 @@
     <p:sldMasterId id="2147483660" r:id="rId1"/>
   </p:sldMasterIdLst>
   <p:notesMasterIdLst>
-    <p:notesMasterId r:id="rId39"/>
+    <p:notesMasterId r:id="rId38"/>
   </p:notesMasterIdLst>
   <p:sldIdLst>
     <p:sldId id="446" r:id="rId2"/>
@@ -44,7 +44,6 @@
     <p:sldId id="442" r:id="rId35"/>
     <p:sldId id="441" r:id="rId36"/>
     <p:sldId id="400" r:id="rId37"/>
-    <p:sldId id="436" r:id="rId38"/>
   </p:sldIdLst>
   <p:sldSz cx="12192000" cy="6858000"/>
   <p:notesSz cx="6858000" cy="9144000"/>
@@ -256,7 +255,7 @@
           <a:p>
             <a:fld id="{A334C884-B1D7-A043-A4AA-521744755A4B}" type="datetimeFigureOut">
               <a:rPr lang="en-US" smtClean="0"/>
-              <a:t>10/24/2016</a:t>
+              <a:t>11/11/2016</a:t>
             </a:fld>
             <a:endParaRPr lang="en-US"/>
           </a:p>
@@ -642,7 +641,7 @@
           <a:p>
             <a:fld id="{E74353ED-ACB2-44BF-A903-985B0AF962B7}" type="datetime1">
               <a:rPr lang="en-US" smtClean="0"/>
-              <a:t>10/24/2016</a:t>
+              <a:t>11/11/2016</a:t>
             </a:fld>
             <a:endParaRPr lang="en-US" dirty="0"/>
           </a:p>
@@ -804,7 +803,7 @@
           <a:p>
             <a:fld id="{E74353ED-ACB2-44BF-A903-985B0AF962B7}" type="datetime1">
               <a:rPr lang="en-US" smtClean="0"/>
-              <a:t>10/24/2016</a:t>
+              <a:t>11/11/2016</a:t>
             </a:fld>
             <a:endParaRPr lang="en-US" dirty="0"/>
           </a:p>
@@ -966,7 +965,7 @@
           <a:p>
             <a:fld id="{E74353ED-ACB2-44BF-A903-985B0AF962B7}" type="datetime1">
               <a:rPr lang="en-US" smtClean="0"/>
-              <a:t>10/24/2016</a:t>
+              <a:t>11/11/2016</a:t>
             </a:fld>
             <a:endParaRPr lang="en-US" dirty="0"/>
           </a:p>
@@ -1128,7 +1127,7 @@
           <a:p>
             <a:fld id="{E74353ED-ACB2-44BF-A903-985B0AF962B7}" type="datetime1">
               <a:rPr lang="en-US" smtClean="0"/>
-              <a:t>10/24/2016</a:t>
+              <a:t>11/11/2016</a:t>
             </a:fld>
             <a:endParaRPr lang="en-US" dirty="0"/>
           </a:p>
@@ -1290,7 +1289,7 @@
           <a:p>
             <a:fld id="{E74353ED-ACB2-44BF-A903-985B0AF962B7}" type="datetime1">
               <a:rPr lang="en-US" smtClean="0"/>
-              <a:t>10/24/2016</a:t>
+              <a:t>11/11/2016</a:t>
             </a:fld>
             <a:endParaRPr lang="en-US" dirty="0"/>
           </a:p>
@@ -1452,7 +1451,7 @@
           <a:p>
             <a:fld id="{E74353ED-ACB2-44BF-A903-985B0AF962B7}" type="datetime1">
               <a:rPr lang="en-US" smtClean="0"/>
-              <a:t>10/24/2016</a:t>
+              <a:t>11/11/2016</a:t>
             </a:fld>
             <a:endParaRPr lang="en-US" dirty="0"/>
           </a:p>
@@ -1614,7 +1613,7 @@
           <a:p>
             <a:fld id="{E74353ED-ACB2-44BF-A903-985B0AF962B7}" type="datetime1">
               <a:rPr lang="en-US" smtClean="0"/>
-              <a:t>10/24/2016</a:t>
+              <a:t>11/11/2016</a:t>
             </a:fld>
             <a:endParaRPr lang="en-US" dirty="0"/>
           </a:p>
@@ -1776,7 +1775,7 @@
           <a:p>
             <a:fld id="{E74353ED-ACB2-44BF-A903-985B0AF962B7}" type="datetime1">
               <a:rPr lang="en-US" smtClean="0"/>
-              <a:t>10/24/2016</a:t>
+              <a:t>11/11/2016</a:t>
             </a:fld>
             <a:endParaRPr lang="en-US" dirty="0"/>
           </a:p>
@@ -1938,7 +1937,7 @@
           <a:p>
             <a:fld id="{E74353ED-ACB2-44BF-A903-985B0AF962B7}" type="datetime1">
               <a:rPr lang="en-US" smtClean="0"/>
-              <a:t>10/24/2016</a:t>
+              <a:t>11/11/2016</a:t>
             </a:fld>
             <a:endParaRPr lang="en-US" dirty="0"/>
           </a:p>
@@ -2100,7 +2099,7 @@
           <a:p>
             <a:fld id="{E74353ED-ACB2-44BF-A903-985B0AF962B7}" type="datetime1">
               <a:rPr lang="en-US" smtClean="0"/>
-              <a:t>10/24/2016</a:t>
+              <a:t>11/11/2016</a:t>
             </a:fld>
             <a:endParaRPr lang="en-US" dirty="0"/>
           </a:p>
@@ -2262,7 +2261,7 @@
           <a:p>
             <a:fld id="{E74353ED-ACB2-44BF-A903-985B0AF962B7}" type="datetime1">
               <a:rPr lang="en-US" smtClean="0"/>
-              <a:t>10/24/2016</a:t>
+              <a:t>11/11/2016</a:t>
             </a:fld>
             <a:endParaRPr lang="en-US" dirty="0"/>
           </a:p>
@@ -2424,7 +2423,7 @@
           <a:p>
             <a:fld id="{E74353ED-ACB2-44BF-A903-985B0AF962B7}" type="datetime1">
               <a:rPr lang="en-US" smtClean="0"/>
-              <a:t>10/24/2016</a:t>
+              <a:t>11/11/2016</a:t>
             </a:fld>
             <a:endParaRPr lang="en-US" dirty="0"/>
           </a:p>
@@ -2586,7 +2585,7 @@
           <a:p>
             <a:fld id="{E74353ED-ACB2-44BF-A903-985B0AF962B7}" type="datetime1">
               <a:rPr lang="en-US" smtClean="0"/>
-              <a:t>10/24/2016</a:t>
+              <a:t>11/11/2016</a:t>
             </a:fld>
             <a:endParaRPr lang="en-US" dirty="0"/>
           </a:p>
@@ -2748,7 +2747,7 @@
           <a:p>
             <a:fld id="{E74353ED-ACB2-44BF-A903-985B0AF962B7}" type="datetime1">
               <a:rPr lang="en-US" smtClean="0"/>
-              <a:t>10/24/2016</a:t>
+              <a:t>11/11/2016</a:t>
             </a:fld>
             <a:endParaRPr lang="en-US" dirty="0"/>
           </a:p>
@@ -2910,7 +2909,7 @@
           <a:p>
             <a:fld id="{E74353ED-ACB2-44BF-A903-985B0AF962B7}" type="datetime1">
               <a:rPr lang="en-US" smtClean="0"/>
-              <a:t>10/24/2016</a:t>
+              <a:t>11/11/2016</a:t>
             </a:fld>
             <a:endParaRPr lang="en-US" dirty="0"/>
           </a:p>
@@ -3072,7 +3071,7 @@
           <a:p>
             <a:fld id="{E74353ED-ACB2-44BF-A903-985B0AF962B7}" type="datetime1">
               <a:rPr lang="en-US" smtClean="0"/>
-              <a:t>10/24/2016</a:t>
+              <a:t>11/11/2016</a:t>
             </a:fld>
             <a:endParaRPr lang="en-US" dirty="0"/>
           </a:p>
@@ -3234,7 +3233,7 @@
           <a:p>
             <a:fld id="{E74353ED-ACB2-44BF-A903-985B0AF962B7}" type="datetime1">
               <a:rPr lang="en-US" smtClean="0"/>
-              <a:t>10/24/2016</a:t>
+              <a:t>11/11/2016</a:t>
             </a:fld>
             <a:endParaRPr lang="en-US" dirty="0"/>
           </a:p>
@@ -3396,7 +3395,7 @@
           <a:p>
             <a:fld id="{E74353ED-ACB2-44BF-A903-985B0AF962B7}" type="datetime1">
               <a:rPr lang="en-US" smtClean="0"/>
-              <a:t>10/24/2016</a:t>
+              <a:t>11/11/2016</a:t>
             </a:fld>
             <a:endParaRPr lang="en-US" dirty="0"/>
           </a:p>
@@ -3558,7 +3557,7 @@
           <a:p>
             <a:fld id="{E74353ED-ACB2-44BF-A903-985B0AF962B7}" type="datetime1">
               <a:rPr lang="en-US" smtClean="0"/>
-              <a:t>10/24/2016</a:t>
+              <a:t>11/11/2016</a:t>
             </a:fld>
             <a:endParaRPr lang="en-US" dirty="0"/>
           </a:p>
@@ -3720,7 +3719,7 @@
           <a:p>
             <a:fld id="{E74353ED-ACB2-44BF-A903-985B0AF962B7}" type="datetime1">
               <a:rPr lang="en-US" smtClean="0"/>
-              <a:t>10/24/2016</a:t>
+              <a:t>11/11/2016</a:t>
             </a:fld>
             <a:endParaRPr lang="en-US" dirty="0"/>
           </a:p>
@@ -3882,7 +3881,7 @@
           <a:p>
             <a:fld id="{E74353ED-ACB2-44BF-A903-985B0AF962B7}" type="datetime1">
               <a:rPr lang="en-US" smtClean="0"/>
-              <a:t>10/24/2016</a:t>
+              <a:t>11/11/2016</a:t>
             </a:fld>
             <a:endParaRPr lang="en-US" dirty="0"/>
           </a:p>
@@ -4044,7 +4043,7 @@
           <a:p>
             <a:fld id="{E74353ED-ACB2-44BF-A903-985B0AF962B7}" type="datetime1">
               <a:rPr lang="en-US" smtClean="0"/>
-              <a:t>10/24/2016</a:t>
+              <a:t>11/11/2016</a:t>
             </a:fld>
             <a:endParaRPr lang="en-US" dirty="0"/>
           </a:p>
@@ -4206,7 +4205,7 @@
           <a:p>
             <a:fld id="{E74353ED-ACB2-44BF-A903-985B0AF962B7}" type="datetime1">
               <a:rPr lang="en-US" smtClean="0"/>
-              <a:t>10/24/2016</a:t>
+              <a:t>11/11/2016</a:t>
             </a:fld>
             <a:endParaRPr lang="en-US" dirty="0"/>
           </a:p>
@@ -4368,7 +4367,7 @@
           <a:p>
             <a:fld id="{E74353ED-ACB2-44BF-A903-985B0AF962B7}" type="datetime1">
               <a:rPr lang="en-US" smtClean="0"/>
-              <a:t>10/24/2016</a:t>
+              <a:t>11/11/2016</a:t>
             </a:fld>
             <a:endParaRPr lang="en-US" dirty="0"/>
           </a:p>
@@ -4530,7 +4529,7 @@
           <a:p>
             <a:fld id="{E74353ED-ACB2-44BF-A903-985B0AF962B7}" type="datetime1">
               <a:rPr lang="en-US" smtClean="0"/>
-              <a:t>10/24/2016</a:t>
+              <a:t>11/11/2016</a:t>
             </a:fld>
             <a:endParaRPr lang="en-US" dirty="0"/>
           </a:p>
@@ -4692,7 +4691,7 @@
           <a:p>
             <a:fld id="{E74353ED-ACB2-44BF-A903-985B0AF962B7}" type="datetime1">
               <a:rPr lang="en-US" smtClean="0"/>
-              <a:t>10/24/2016</a:t>
+              <a:t>11/11/2016</a:t>
             </a:fld>
             <a:endParaRPr lang="en-US" dirty="0"/>
           </a:p>
@@ -4854,7 +4853,7 @@
           <a:p>
             <a:fld id="{E74353ED-ACB2-44BF-A903-985B0AF962B7}" type="datetime1">
               <a:rPr lang="en-US" smtClean="0"/>
-              <a:t>10/24/2016</a:t>
+              <a:t>11/11/2016</a:t>
             </a:fld>
             <a:endParaRPr lang="en-US" dirty="0"/>
           </a:p>
@@ -5016,7 +5015,7 @@
           <a:p>
             <a:fld id="{E74353ED-ACB2-44BF-A903-985B0AF962B7}" type="datetime1">
               <a:rPr lang="en-US" smtClean="0"/>
-              <a:t>10/24/2016</a:t>
+              <a:t>11/11/2016</a:t>
             </a:fld>
             <a:endParaRPr lang="en-US" dirty="0"/>
           </a:p>
@@ -5178,7 +5177,7 @@
           <a:p>
             <a:fld id="{E74353ED-ACB2-44BF-A903-985B0AF962B7}" type="datetime1">
               <a:rPr lang="en-US" smtClean="0"/>
-              <a:t>10/24/2016</a:t>
+              <a:t>11/11/2016</a:t>
             </a:fld>
             <a:endParaRPr lang="en-US" dirty="0"/>
           </a:p>
@@ -5212,168 +5211,6 @@
     <p:extLst>
       <p:ext uri="{BB962C8B-B14F-4D97-AF65-F5344CB8AC3E}">
         <p14:creationId xmlns:p14="http://schemas.microsoft.com/office/powerpoint/2010/main" val="592433902"/>
-      </p:ext>
-    </p:extLst>
-  </p:cSld>
-  <p:clrMapOvr>
-    <a:masterClrMapping/>
-  </p:clrMapOvr>
-</p:notes>
-</file>
-
-<file path=ppt/notesSlides/notesSlide36.xml><?xml version="1.0" encoding="utf-8"?>
-<p:notes xmlns:a="http://schemas.openxmlformats.org/drawingml/2006/main" xmlns:r="http://schemas.openxmlformats.org/officeDocument/2006/relationships" xmlns:p="http://schemas.openxmlformats.org/presentationml/2006/main">
-  <p:cSld>
-    <p:spTree>
-      <p:nvGrpSpPr>
-        <p:cNvPr id="1" name=""/>
-        <p:cNvGrpSpPr/>
-        <p:nvPr/>
-      </p:nvGrpSpPr>
-      <p:grpSpPr>
-        <a:xfrm>
-          <a:off x="0" y="0"/>
-          <a:ext cx="0" cy="0"/>
-          <a:chOff x="0" y="0"/>
-          <a:chExt cx="0" cy="0"/>
-        </a:xfrm>
-      </p:grpSpPr>
-      <p:sp>
-        <p:nvSpPr>
-          <p:cNvPr id="2" name="Slide Image Placeholder 1"/>
-          <p:cNvSpPr>
-            <a:spLocks noGrp="1" noRot="1" noChangeAspect="1"/>
-          </p:cNvSpPr>
-          <p:nvPr>
-            <p:ph type="sldImg"/>
-          </p:nvPr>
-        </p:nvSpPr>
-        <p:spPr/>
-      </p:sp>
-      <p:sp>
-        <p:nvSpPr>
-          <p:cNvPr id="3" name="Notes Placeholder 2"/>
-          <p:cNvSpPr>
-            <a:spLocks noGrp="1"/>
-          </p:cNvSpPr>
-          <p:nvPr>
-            <p:ph type="body" idx="1"/>
-          </p:nvPr>
-        </p:nvSpPr>
-        <p:spPr/>
-        <p:txBody>
-          <a:bodyPr/>
-          <a:lstStyle/>
-          <a:p>
-            <a:endParaRPr lang="en-US" dirty="0"/>
-          </a:p>
-        </p:txBody>
-      </p:sp>
-      <p:sp>
-        <p:nvSpPr>
-          <p:cNvPr id="4" name="Footer Placeholder 3"/>
-          <p:cNvSpPr>
-            <a:spLocks noGrp="1"/>
-          </p:cNvSpPr>
-          <p:nvPr>
-            <p:ph type="ftr" sz="quarter" idx="10"/>
-          </p:nvPr>
-        </p:nvSpPr>
-        <p:spPr/>
-        <p:txBody>
-          <a:bodyPr/>
-          <a:lstStyle/>
-          <a:p>
-            <a:pPr defTabSz="914099" eaLnBrk="0" hangingPunct="0"/>
-            <a:r>
-              <a:rPr lang="en-US" sz="400">
-                <a:gradFill>
-                  <a:gsLst>
-                    <a:gs pos="0">
-                      <a:prstClr val="black"/>
-                    </a:gs>
-                    <a:gs pos="100000">
-                      <a:prstClr val="black"/>
-                    </a:gs>
-                  </a:gsLst>
-                  <a:lin ang="5400000" scaled="0"/>
-                </a:gradFill>
-                <a:latin typeface="Segoe UI" pitchFamily="34" charset="0"/>
-                <a:ea typeface="Segoe UI" pitchFamily="34" charset="0"/>
-                <a:cs typeface="Segoe UI" pitchFamily="34" charset="0"/>
-              </a:rPr>
-              <a:t>© 2014 Microsoft Corporation. All rights reserved. Microsoft, Windows, and other product names are or may be registered trademarks and/or trademarks in the U.S. and/or other countries. The information herein is for informational purposes only and represents the current view of Microsoft Corporation as of the date of this presentation.  Because Microsoft must respond to changing market conditions, it should not be interpreted to be a commitment on the part of Microsoft, and Microsoft cannot guarantee the accuracy of any information provided after the date of this presentation.  MICROSOFT MAKES NO WARRANTIES, EXPRESS, IMPLIED OR STATUTORY, AS TO THE INFORMATION IN THIS PRESENTATION.</a:t>
-            </a:r>
-            <a:endParaRPr lang="en-US" sz="400" dirty="0">
-              <a:gradFill>
-                <a:gsLst>
-                  <a:gs pos="0">
-                    <a:prstClr val="black"/>
-                  </a:gs>
-                  <a:gs pos="100000">
-                    <a:prstClr val="black"/>
-                  </a:gs>
-                </a:gsLst>
-                <a:lin ang="5400000" scaled="0"/>
-              </a:gradFill>
-              <a:latin typeface="Segoe UI" pitchFamily="34" charset="0"/>
-              <a:ea typeface="Segoe UI" pitchFamily="34" charset="0"/>
-              <a:cs typeface="Segoe UI" pitchFamily="34" charset="0"/>
-            </a:endParaRPr>
-          </a:p>
-        </p:txBody>
-      </p:sp>
-      <p:sp>
-        <p:nvSpPr>
-          <p:cNvPr id="5" name="Date Placeholder 4"/>
-          <p:cNvSpPr>
-            <a:spLocks noGrp="1"/>
-          </p:cNvSpPr>
-          <p:nvPr>
-            <p:ph type="dt" idx="11"/>
-          </p:nvPr>
-        </p:nvSpPr>
-        <p:spPr/>
-        <p:txBody>
-          <a:bodyPr/>
-          <a:lstStyle/>
-          <a:p>
-            <a:fld id="{E74353ED-ACB2-44BF-A903-985B0AF962B7}" type="datetime1">
-              <a:rPr lang="en-US" smtClean="0"/>
-              <a:t>10/24/2016</a:t>
-            </a:fld>
-            <a:endParaRPr lang="en-US" dirty="0"/>
-          </a:p>
-        </p:txBody>
-      </p:sp>
-      <p:sp>
-        <p:nvSpPr>
-          <p:cNvPr id="6" name="Slide Number Placeholder 5"/>
-          <p:cNvSpPr>
-            <a:spLocks noGrp="1"/>
-          </p:cNvSpPr>
-          <p:nvPr>
-            <p:ph type="sldNum" sz="quarter" idx="12"/>
-          </p:nvPr>
-        </p:nvSpPr>
-        <p:spPr/>
-        <p:txBody>
-          <a:bodyPr/>
-          <a:lstStyle/>
-          <a:p>
-            <a:fld id="{B4008EB6-D09E-4580-8CD6-DDB14511944F}" type="slidenum">
-              <a:rPr lang="en-US" smtClean="0"/>
-              <a:pPr/>
-              <a:t>37</a:t>
-            </a:fld>
-            <a:endParaRPr lang="en-US" dirty="0"/>
-          </a:p>
-        </p:txBody>
-      </p:sp>
-    </p:spTree>
-    <p:extLst>
-      <p:ext uri="{BB962C8B-B14F-4D97-AF65-F5344CB8AC3E}">
-        <p14:creationId xmlns:p14="http://schemas.microsoft.com/office/powerpoint/2010/main" val="1275485826"/>
       </p:ext>
     </p:extLst>
   </p:cSld>
@@ -5502,7 +5339,7 @@
           <a:p>
             <a:fld id="{E74353ED-ACB2-44BF-A903-985B0AF962B7}" type="datetime1">
               <a:rPr lang="en-US" smtClean="0"/>
-              <a:t>10/24/2016</a:t>
+              <a:t>11/11/2016</a:t>
             </a:fld>
             <a:endParaRPr lang="en-US" dirty="0"/>
           </a:p>
@@ -5664,7 +5501,7 @@
           <a:p>
             <a:fld id="{E74353ED-ACB2-44BF-A903-985B0AF962B7}" type="datetime1">
               <a:rPr lang="en-US" smtClean="0"/>
-              <a:t>10/24/2016</a:t>
+              <a:t>11/11/2016</a:t>
             </a:fld>
             <a:endParaRPr lang="en-US" dirty="0"/>
           </a:p>
@@ -5826,7 +5663,7 @@
           <a:p>
             <a:fld id="{E74353ED-ACB2-44BF-A903-985B0AF962B7}" type="datetime1">
               <a:rPr lang="en-US" smtClean="0"/>
-              <a:t>10/24/2016</a:t>
+              <a:t>11/11/2016</a:t>
             </a:fld>
             <a:endParaRPr lang="en-US" dirty="0"/>
           </a:p>
@@ -5988,7 +5825,7 @@
           <a:p>
             <a:fld id="{E74353ED-ACB2-44BF-A903-985B0AF962B7}" type="datetime1">
               <a:rPr lang="en-US" smtClean="0"/>
-              <a:t>10/24/2016</a:t>
+              <a:t>11/11/2016</a:t>
             </a:fld>
             <a:endParaRPr lang="en-US" dirty="0"/>
           </a:p>
@@ -6150,7 +5987,7 @@
           <a:p>
             <a:fld id="{E74353ED-ACB2-44BF-A903-985B0AF962B7}" type="datetime1">
               <a:rPr lang="en-US" smtClean="0"/>
-              <a:t>10/24/2016</a:t>
+              <a:t>11/11/2016</a:t>
             </a:fld>
             <a:endParaRPr lang="en-US" dirty="0"/>
           </a:p>
@@ -6312,7 +6149,7 @@
           <a:p>
             <a:fld id="{E74353ED-ACB2-44BF-A903-985B0AF962B7}" type="datetime1">
               <a:rPr lang="en-US" smtClean="0"/>
-              <a:t>10/24/2016</a:t>
+              <a:t>11/11/2016</a:t>
             </a:fld>
             <a:endParaRPr lang="en-US" dirty="0"/>
           </a:p>
@@ -12968,13 +12805,8 @@
           <a:p>
             <a:r>
               <a:rPr lang="en-GB" sz="1900" dirty="0"/>
-              <a:t>• Cucumber can guide us into turning the language of each step into an </a:t>
-            </a:r>
-            <a:r>
-              <a:rPr lang="en-GB" sz="1900" dirty="0"/>
-              <a:t>executable test case that calls </a:t>
-            </a:r>
-            <a:endParaRPr lang="en-GB" sz="1900" dirty="0"/>
+              <a:t>• Cucumber can guide us into turning the language of each step into an executable test case that calls </a:t>
+            </a:r>
           </a:p>
           <a:p>
             <a:r>
@@ -14211,10 +14043,6 @@
               </a:rPr>
               <a:t>www.meetup.com/SingaporeMobileDev</a:t>
             </a:r>
-            <a:endParaRPr lang="en-US" sz="1961" dirty="0">
-              <a:latin typeface="+mj-lt"/>
-              <a:cs typeface="Arial"/>
-            </a:endParaRPr>
           </a:p>
         </p:txBody>
       </p:sp>
@@ -16901,7 +16729,7 @@
         <p:spPr>
           <a:xfrm>
             <a:off x="1422400" y="1796187"/>
-            <a:ext cx="9569450" cy="3785652"/>
+            <a:ext cx="9569450" cy="3416320"/>
           </a:xfrm>
           <a:prstGeom prst="rect">
             <a:avLst/>
@@ -16915,25 +16743,19 @@
           <a:p>
             <a:r>
               <a:rPr lang="en-US" altLang="en-US" sz="2400" dirty="0"/>
-              <a:t>IDE plugins / Scaffolding / Generator: </a:t>
+              <a:t>BDD Tools: </a:t>
             </a:r>
             <a:r>
               <a:rPr lang="en-US" altLang="en-US" sz="2400" dirty="0" err="1"/>
               <a:t>SpecFlow</a:t>
             </a:r>
-            <a:endParaRPr lang="en-US" altLang="en-US" sz="2400" dirty="0"/>
-          </a:p>
-          <a:p>
-            <a:endParaRPr lang="en-US" altLang="en-US" sz="2400" dirty="0"/>
-          </a:p>
-          <a:p>
             <a:r>
               <a:rPr lang="en-US" altLang="en-US" sz="2400" dirty="0"/>
-              <a:t>Test Frameworks: </a:t>
+              <a:t>, Cucumber, </a:t>
             </a:r>
             <a:r>
               <a:rPr lang="en-US" altLang="en-US" sz="2400" dirty="0" err="1"/>
-              <a:t>xUnit</a:t>
+              <a:t>FitNesse</a:t>
             </a:r>
             <a:r>
               <a:rPr lang="en-US" altLang="en-US" sz="2400" dirty="0"/>
@@ -16941,7 +16763,7 @@
             </a:r>
             <a:r>
               <a:rPr lang="en-US" altLang="en-US" sz="2400" dirty="0" err="1"/>
-              <a:t>nUnit</a:t>
+              <a:t>Nbehave</a:t>
             </a:r>
             <a:r>
               <a:rPr lang="en-US" altLang="en-US" sz="2400" dirty="0"/>
@@ -16949,9 +16771,20 @@
             </a:r>
             <a:r>
               <a:rPr lang="en-US" altLang="en-US" sz="2400" dirty="0" err="1"/>
-              <a:t>MSTest</a:t>
-            </a:r>
-            <a:endParaRPr lang="en-US" altLang="en-US" sz="2400" dirty="0"/>
+              <a:t>PHPUnit</a:t>
+            </a:r>
+            <a:r>
+              <a:rPr lang="en-US" altLang="en-US" sz="2400" dirty="0"/>
+              <a:t>, </a:t>
+            </a:r>
+            <a:r>
+              <a:rPr lang="en-US" altLang="en-US" sz="2400" dirty="0" err="1"/>
+              <a:t>Jbehave</a:t>
+            </a:r>
+            <a:r>
+              <a:rPr lang="en-US" altLang="en-US" sz="2400" dirty="0"/>
+              <a:t>, Jasmine …</a:t>
+            </a:r>
           </a:p>
           <a:p>
             <a:endParaRPr lang="en-US" altLang="en-US" sz="2400" dirty="0"/>
@@ -17306,7 +17139,7 @@
         <p:spPr>
           <a:xfrm>
             <a:off x="996950" y="1592987"/>
-            <a:ext cx="9378950" cy="4524315"/>
+            <a:ext cx="9378950" cy="4893647"/>
           </a:xfrm>
           <a:prstGeom prst="rect">
             <a:avLst/>
@@ -17350,7 +17183,7 @@
             </a:pPr>
             <a:r>
               <a:rPr lang="en-US" altLang="en-US" sz="2400" dirty="0"/>
-              <a:t>Jeeves</a:t>
+              <a:t>Jenkins</a:t>
             </a:r>
           </a:p>
           <a:p>
@@ -17358,7 +17191,21 @@
               <a:buFont typeface="Arial" panose="020B0604020202020204" pitchFamily="34" charset="0"/>
               <a:buChar char="•"/>
             </a:pPr>
+            <a:r>
+              <a:rPr lang="en-US" altLang="en-US" sz="2400" dirty="0" err="1"/>
+              <a:t>BitRise</a:t>
+            </a:r>
             <a:endParaRPr lang="en-US" altLang="en-US" sz="2400" dirty="0"/>
+          </a:p>
+          <a:p>
+            <a:pPr marL="342900" indent="-342900">
+              <a:buFont typeface="Arial" panose="020B0604020202020204" pitchFamily="34" charset="0"/>
+              <a:buChar char="•"/>
+            </a:pPr>
+            <a:r>
+              <a:rPr lang="en-US" altLang="en-US" sz="2400" dirty="0"/>
+              <a:t>…</a:t>
+            </a:r>
           </a:p>
           <a:p>
             <a:pPr marL="342900" indent="-342900">
@@ -18147,7 +17994,6 @@
               <a:rPr lang="en-US" sz="2200" dirty="0"/>
               <a:t>cons: expensive (long time to run, cost)</a:t>
             </a:r>
-            <a:endParaRPr lang="en-US" sz="2200" dirty="0"/>
           </a:p>
         </p:txBody>
       </p:sp>
@@ -19212,10 +19058,6 @@
               </a:rPr>
               <a:t>www.meetup.com/SingaporeMobileDev</a:t>
             </a:r>
-            <a:endParaRPr lang="en-US" sz="1961" dirty="0">
-              <a:latin typeface="+mj-lt"/>
-              <a:cs typeface="Arial"/>
-            </a:endParaRPr>
           </a:p>
         </p:txBody>
       </p:sp>
@@ -19372,78 +19214,6 @@
 </p:sld>
 </file>
 
-<file path=ppt/slides/slide37.xml><?xml version="1.0" encoding="utf-8"?>
-<p:sld xmlns:a="http://schemas.openxmlformats.org/drawingml/2006/main" xmlns:r="http://schemas.openxmlformats.org/officeDocument/2006/relationships" xmlns:p="http://schemas.openxmlformats.org/presentationml/2006/main">
-  <p:cSld>
-    <p:bg>
-      <p:bgPr>
-        <a:blipFill dpi="0" rotWithShape="1">
-          <a:blip r:embed="rId3">
-            <a:alphaModFix amt="12000"/>
-            <a:lum/>
-          </a:blip>
-          <a:srcRect/>
-          <a:stretch>
-            <a:fillRect l="-45000" t="-39000" r="45000" b="-39000"/>
-          </a:stretch>
-        </a:blipFill>
-        <a:effectLst/>
-      </p:bgPr>
-    </p:bg>
-    <p:spTree>
-      <p:nvGrpSpPr>
-        <p:cNvPr id="1" name=""/>
-        <p:cNvGrpSpPr/>
-        <p:nvPr/>
-      </p:nvGrpSpPr>
-      <p:grpSpPr>
-        <a:xfrm>
-          <a:off x="0" y="0"/>
-          <a:ext cx="0" cy="0"/>
-          <a:chOff x="0" y="0"/>
-          <a:chExt cx="0" cy="0"/>
-        </a:xfrm>
-      </p:grpSpPr>
-      <p:pic>
-        <p:nvPicPr>
-          <p:cNvPr id="2" name="Picture 1"/>
-          <p:cNvPicPr>
-            <a:picLocks noChangeAspect="1"/>
-          </p:cNvPicPr>
-          <p:nvPr/>
-        </p:nvPicPr>
-        <p:blipFill>
-          <a:blip r:embed="rId4"/>
-          <a:stretch>
-            <a:fillRect/>
-          </a:stretch>
-        </p:blipFill>
-        <p:spPr>
-          <a:xfrm>
-            <a:off x="0" y="-1"/>
-            <a:ext cx="12192000" cy="6858001"/>
-          </a:xfrm>
-          <a:prstGeom prst="rect">
-            <a:avLst/>
-          </a:prstGeom>
-        </p:spPr>
-      </p:pic>
-    </p:spTree>
-    <p:extLst>
-      <p:ext uri="{BB962C8B-B14F-4D97-AF65-F5344CB8AC3E}">
-        <p14:creationId xmlns:p14="http://schemas.microsoft.com/office/powerpoint/2010/main" val="2987833523"/>
-      </p:ext>
-    </p:extLst>
-  </p:cSld>
-  <p:clrMapOvr>
-    <a:masterClrMapping/>
-  </p:clrMapOvr>
-  <p:transition>
-    <p:fade/>
-  </p:transition>
-</p:sld>
-</file>
-
 <file path=ppt/slides/slide4.xml><?xml version="1.0" encoding="utf-8"?>
 <p:sld xmlns:a="http://schemas.openxmlformats.org/drawingml/2006/main" xmlns:r="http://schemas.openxmlformats.org/officeDocument/2006/relationships" xmlns:p="http://schemas.openxmlformats.org/presentationml/2006/main">
   <p:cSld>
@@ -19638,8 +19408,12 @@
           <a:lstStyle/>
           <a:p>
             <a:r>
+              <a:rPr lang="en-GB" sz="2400"/>
+              <a:t>It’s finding </a:t>
+            </a:r>
+            <a:r>
               <a:rPr lang="en-GB" sz="2400" dirty="0"/>
-              <a:t>It’s Finding places of misunderstanding, and filling it with understanding</a:t>
+              <a:t>places of misunderstanding, and filling it with understanding</a:t>
             </a:r>
             <a:endParaRPr lang="en-US" sz="2400" dirty="0"/>
           </a:p>
@@ -20966,7 +20740,6 @@
               <a:rPr lang="en-GB" sz="2200" dirty="0"/>
               <a:t> Subsequent long iterations = risk increase</a:t>
             </a:r>
-            <a:endParaRPr lang="en-GB" sz="2200" dirty="0"/>
           </a:p>
         </p:txBody>
       </p:sp>
